--- a/tcc-totvs/docs/MIF907 - Apresentação Status Report 1.pptx
+++ b/tcc-totvs/docs/MIF907 - Apresentação Status Report 1.pptx
@@ -263,7 +263,7 @@
             <a:fld id="{0A95450B-EB12-4B4F-9EA6-1BEE48EC9613}" type="datetime1">
               <a:rPr lang="en-US"/>
               <a:pPr/>
-              <a:t>6/6/2019</a:t>
+              <a:t>6/7/2019</a:t>
             </a:fld>
             <a:endParaRPr lang="en-US"/>
           </a:p>
